--- a/manuscript/Figures-Powerpoints-300dpi Images/Figure 7/Figure 7.pptx
+++ b/manuscript/Figures-Powerpoints-300dpi Images/Figure 7/Figure 7.pptx
@@ -5,7 +5,7 @@
     <p:sldMasterId id="2147483744" r:id="rId1"/>
   </p:sldMasterIdLst>
   <p:sldIdLst>
-    <p:sldId id="262" r:id="rId2"/>
+    <p:sldId id="259" r:id="rId2"/>
   </p:sldIdLst>
   <p:sldSz cx="9144000" cy="10972800"/>
   <p:notesSz cx="6858000" cy="9144000"/>
@@ -285,7 +285,7 @@
           <a:p>
             <a:fld id="{2023749D-4F2D-48EB-8064-4F686DCCE878}" type="datetimeFigureOut">
               <a:rPr lang="en-US" smtClean="0"/>
-              <a:t>2/3/2022</a:t>
+              <a:t>2/6/2022</a:t>
             </a:fld>
             <a:endParaRPr lang="en-US"/>
           </a:p>
@@ -455,7 +455,7 @@
           <a:p>
             <a:fld id="{2023749D-4F2D-48EB-8064-4F686DCCE878}" type="datetimeFigureOut">
               <a:rPr lang="en-US" smtClean="0"/>
-              <a:t>2/3/2022</a:t>
+              <a:t>2/6/2022</a:t>
             </a:fld>
             <a:endParaRPr lang="en-US"/>
           </a:p>
@@ -635,7 +635,7 @@
           <a:p>
             <a:fld id="{2023749D-4F2D-48EB-8064-4F686DCCE878}" type="datetimeFigureOut">
               <a:rPr lang="en-US" smtClean="0"/>
-              <a:t>2/3/2022</a:t>
+              <a:t>2/6/2022</a:t>
             </a:fld>
             <a:endParaRPr lang="en-US"/>
           </a:p>
@@ -805,7 +805,7 @@
           <a:p>
             <a:fld id="{2023749D-4F2D-48EB-8064-4F686DCCE878}" type="datetimeFigureOut">
               <a:rPr lang="en-US" smtClean="0"/>
-              <a:t>2/3/2022</a:t>
+              <a:t>2/6/2022</a:t>
             </a:fld>
             <a:endParaRPr lang="en-US"/>
           </a:p>
@@ -1049,7 +1049,7 @@
           <a:p>
             <a:fld id="{2023749D-4F2D-48EB-8064-4F686DCCE878}" type="datetimeFigureOut">
               <a:rPr lang="en-US" smtClean="0"/>
-              <a:t>2/3/2022</a:t>
+              <a:t>2/6/2022</a:t>
             </a:fld>
             <a:endParaRPr lang="en-US"/>
           </a:p>
@@ -1281,7 +1281,7 @@
           <a:p>
             <a:fld id="{2023749D-4F2D-48EB-8064-4F686DCCE878}" type="datetimeFigureOut">
               <a:rPr lang="en-US" smtClean="0"/>
-              <a:t>2/3/2022</a:t>
+              <a:t>2/6/2022</a:t>
             </a:fld>
             <a:endParaRPr lang="en-US"/>
           </a:p>
@@ -1648,7 +1648,7 @@
           <a:p>
             <a:fld id="{2023749D-4F2D-48EB-8064-4F686DCCE878}" type="datetimeFigureOut">
               <a:rPr lang="en-US" smtClean="0"/>
-              <a:t>2/3/2022</a:t>
+              <a:t>2/6/2022</a:t>
             </a:fld>
             <a:endParaRPr lang="en-US"/>
           </a:p>
@@ -1766,7 +1766,7 @@
           <a:p>
             <a:fld id="{2023749D-4F2D-48EB-8064-4F686DCCE878}" type="datetimeFigureOut">
               <a:rPr lang="en-US" smtClean="0"/>
-              <a:t>2/3/2022</a:t>
+              <a:t>2/6/2022</a:t>
             </a:fld>
             <a:endParaRPr lang="en-US"/>
           </a:p>
@@ -1861,7 +1861,7 @@
           <a:p>
             <a:fld id="{2023749D-4F2D-48EB-8064-4F686DCCE878}" type="datetimeFigureOut">
               <a:rPr lang="en-US" smtClean="0"/>
-              <a:t>2/3/2022</a:t>
+              <a:t>2/6/2022</a:t>
             </a:fld>
             <a:endParaRPr lang="en-US"/>
           </a:p>
@@ -2138,7 +2138,7 @@
           <a:p>
             <a:fld id="{2023749D-4F2D-48EB-8064-4F686DCCE878}" type="datetimeFigureOut">
               <a:rPr lang="en-US" smtClean="0"/>
-              <a:t>2/3/2022</a:t>
+              <a:t>2/6/2022</a:t>
             </a:fld>
             <a:endParaRPr lang="en-US"/>
           </a:p>
@@ -2395,7 +2395,7 @@
           <a:p>
             <a:fld id="{2023749D-4F2D-48EB-8064-4F686DCCE878}" type="datetimeFigureOut">
               <a:rPr lang="en-US" smtClean="0"/>
-              <a:t>2/3/2022</a:t>
+              <a:t>2/6/2022</a:t>
             </a:fld>
             <a:endParaRPr lang="en-US"/>
           </a:p>
@@ -2608,7 +2608,7 @@
           <a:p>
             <a:fld id="{2023749D-4F2D-48EB-8064-4F686DCCE878}" type="datetimeFigureOut">
               <a:rPr lang="en-US" smtClean="0"/>
-              <a:t>2/3/2022</a:t>
+              <a:t>2/6/2022</a:t>
             </a:fld>
             <a:endParaRPr lang="en-US"/>
           </a:p>
@@ -3013,156 +3013,12 @@
           <a:chExt cx="0" cy="0"/>
         </a:xfrm>
       </p:grpSpPr>
-      <p:pic>
-        <p:nvPicPr>
-          <p:cNvPr id="6" name="Εικόνα 5">
-            <a:extLst>
-              <a:ext uri="{FF2B5EF4-FFF2-40B4-BE49-F238E27FC236}">
-                <a16:creationId xmlns:a16="http://schemas.microsoft.com/office/drawing/2014/main" id="{CF9BF8B4-E207-426D-B79F-DD05529C2CBF}"/>
-              </a:ext>
-            </a:extLst>
-          </p:cNvPr>
-          <p:cNvPicPr>
-            <a:picLocks noChangeAspect="1"/>
-          </p:cNvPicPr>
-          <p:nvPr/>
-        </p:nvPicPr>
-        <p:blipFill>
-          <a:blip r:embed="rId2">
-            <a:extLst>
-              <a:ext uri="{28A0092B-C50C-407E-A947-70E740481C1C}">
-                <a14:useLocalDpi xmlns:a14="http://schemas.microsoft.com/office/drawing/2010/main" val="0"/>
-              </a:ext>
-            </a:extLst>
-          </a:blip>
-          <a:stretch>
-            <a:fillRect/>
-          </a:stretch>
-        </p:blipFill>
-        <p:spPr>
-          <a:xfrm>
-            <a:off x="74919" y="2026571"/>
-            <a:ext cx="4196391" cy="3291840"/>
-          </a:xfrm>
-          <a:prstGeom prst="rect">
-            <a:avLst/>
-          </a:prstGeom>
-        </p:spPr>
-      </p:pic>
-      <p:pic>
-        <p:nvPicPr>
-          <p:cNvPr id="13" name="Εικόνα 12">
-            <a:extLst>
-              <a:ext uri="{FF2B5EF4-FFF2-40B4-BE49-F238E27FC236}">
-                <a16:creationId xmlns:a16="http://schemas.microsoft.com/office/drawing/2014/main" id="{CCACC879-38A1-4407-B88D-ED72A4314AB0}"/>
-              </a:ext>
-            </a:extLst>
-          </p:cNvPr>
-          <p:cNvPicPr>
-            <a:picLocks noChangeAspect="1"/>
-          </p:cNvPicPr>
-          <p:nvPr/>
-        </p:nvPicPr>
-        <p:blipFill>
-          <a:blip r:embed="rId3">
-            <a:extLst>
-              <a:ext uri="{28A0092B-C50C-407E-A947-70E740481C1C}">
-                <a14:useLocalDpi xmlns:a14="http://schemas.microsoft.com/office/drawing/2010/main" val="0"/>
-              </a:ext>
-            </a:extLst>
-          </a:blip>
-          <a:stretch>
-            <a:fillRect/>
-          </a:stretch>
-        </p:blipFill>
-        <p:spPr>
-          <a:xfrm>
-            <a:off x="4771697" y="2044097"/>
-            <a:ext cx="4196391" cy="3291840"/>
-          </a:xfrm>
-          <a:prstGeom prst="rect">
-            <a:avLst/>
-          </a:prstGeom>
-        </p:spPr>
-      </p:pic>
-      <p:pic>
-        <p:nvPicPr>
-          <p:cNvPr id="3" name="Εικόνα 2">
-            <a:extLst>
-              <a:ext uri="{FF2B5EF4-FFF2-40B4-BE49-F238E27FC236}">
-                <a16:creationId xmlns:a16="http://schemas.microsoft.com/office/drawing/2014/main" id="{E355E079-A432-4797-A072-72BBE7EF8E9D}"/>
-              </a:ext>
-            </a:extLst>
-          </p:cNvPr>
-          <p:cNvPicPr>
-            <a:picLocks noChangeAspect="1"/>
-          </p:cNvPicPr>
-          <p:nvPr/>
-        </p:nvPicPr>
-        <p:blipFill>
-          <a:blip r:embed="rId4">
-            <a:extLst>
-              <a:ext uri="{28A0092B-C50C-407E-A947-70E740481C1C}">
-                <a14:useLocalDpi xmlns:a14="http://schemas.microsoft.com/office/drawing/2010/main" val="0"/>
-              </a:ext>
-            </a:extLst>
-          </a:blip>
-          <a:stretch>
-            <a:fillRect/>
-          </a:stretch>
-        </p:blipFill>
-        <p:spPr>
-          <a:xfrm>
-            <a:off x="4704224" y="7508101"/>
-            <a:ext cx="4196391" cy="3291840"/>
-          </a:xfrm>
-          <a:prstGeom prst="rect">
-            <a:avLst/>
-          </a:prstGeom>
-        </p:spPr>
-      </p:pic>
-      <p:pic>
-        <p:nvPicPr>
-          <p:cNvPr id="21" name="Εικόνα 20">
-            <a:extLst>
-              <a:ext uri="{FF2B5EF4-FFF2-40B4-BE49-F238E27FC236}">
-                <a16:creationId xmlns:a16="http://schemas.microsoft.com/office/drawing/2014/main" id="{DCFA7FFA-C31A-4F95-ADA3-A7C9849404EE}"/>
-              </a:ext>
-            </a:extLst>
-          </p:cNvPr>
-          <p:cNvPicPr>
-            <a:picLocks noChangeAspect="1"/>
-          </p:cNvPicPr>
-          <p:nvPr/>
-        </p:nvPicPr>
-        <p:blipFill>
-          <a:blip r:embed="rId5">
-            <a:extLst>
-              <a:ext uri="{28A0092B-C50C-407E-A947-70E740481C1C}">
-                <a14:useLocalDpi xmlns:a14="http://schemas.microsoft.com/office/drawing/2010/main" val="0"/>
-              </a:ext>
-            </a:extLst>
-          </a:blip>
-          <a:stretch>
-            <a:fillRect/>
-          </a:stretch>
-        </p:blipFill>
-        <p:spPr>
-          <a:xfrm>
-            <a:off x="131191" y="7508101"/>
-            <a:ext cx="4196391" cy="3291840"/>
-          </a:xfrm>
-          <a:prstGeom prst="rect">
-            <a:avLst/>
-          </a:prstGeom>
-        </p:spPr>
-      </p:pic>
       <p:grpSp>
         <p:nvGrpSpPr>
           <p:cNvPr id="8" name="Ομάδα 7">
             <a:extLst>
               <a:ext uri="{FF2B5EF4-FFF2-40B4-BE49-F238E27FC236}">
-                <a16:creationId xmlns:a16="http://schemas.microsoft.com/office/drawing/2014/main" id="{2456A330-2740-4944-A767-3A35BB13AD25}"/>
+                <a16:creationId xmlns:a16="http://schemas.microsoft.com/office/drawing/2014/main" id="{4A1B0605-71FC-4808-B1D5-F627B01E7B7B}"/>
               </a:ext>
             </a:extLst>
           </p:cNvPr>
@@ -3171,7 +3027,7 @@
         </p:nvGrpSpPr>
         <p:grpSpPr>
           <a:xfrm>
-            <a:off x="5097717" y="5928248"/>
+            <a:off x="580979" y="523678"/>
             <a:ext cx="3762420" cy="1463040"/>
             <a:chOff x="371427" y="676078"/>
             <a:chExt cx="3762421" cy="1463040"/>
@@ -3182,7 +3038,7 @@
             <p:cNvPr id="9" name="Εικόνα 8">
               <a:extLst>
                 <a:ext uri="{FF2B5EF4-FFF2-40B4-BE49-F238E27FC236}">
-                  <a16:creationId xmlns:a16="http://schemas.microsoft.com/office/drawing/2014/main" id="{FC185588-D53A-4FC7-9738-FAB5159A5516}"/>
+                  <a16:creationId xmlns:a16="http://schemas.microsoft.com/office/drawing/2014/main" id="{F9BCE9FE-E31D-419A-97FF-0FDD6746B8EE}"/>
                 </a:ext>
               </a:extLst>
             </p:cNvPr>
@@ -3192,7 +3048,7 @@
             <p:nvPr/>
           </p:nvPicPr>
           <p:blipFill rotWithShape="1">
-            <a:blip r:embed="rId6">
+            <a:blip r:embed="rId2">
               <a:extLst>
                 <a:ext uri="{28A0092B-C50C-407E-A947-70E740481C1C}">
                   <a14:useLocalDpi xmlns:a14="http://schemas.microsoft.com/office/drawing/2010/main" val="0"/>
@@ -3217,7 +3073,7 @@
             <p:cNvPr id="10" name="Ευθεία γραμμή σύνδεσης 9">
               <a:extLst>
                 <a:ext uri="{FF2B5EF4-FFF2-40B4-BE49-F238E27FC236}">
-                  <a16:creationId xmlns:a16="http://schemas.microsoft.com/office/drawing/2014/main" id="{49A40D77-B702-4430-BB18-8A7FFF5FF02F}"/>
+                  <a16:creationId xmlns:a16="http://schemas.microsoft.com/office/drawing/2014/main" id="{297E6BB3-A128-4883-A9E7-BF33E16BEF43}"/>
                 </a:ext>
               </a:extLst>
             </p:cNvPr>
@@ -3261,7 +3117,7 @@
             <p:cNvPr id="11" name="Ευθύγραμμο βέλος σύνδεσης 10">
               <a:extLst>
                 <a:ext uri="{FF2B5EF4-FFF2-40B4-BE49-F238E27FC236}">
-                  <a16:creationId xmlns:a16="http://schemas.microsoft.com/office/drawing/2014/main" id="{D5F808E7-9CF2-47DC-A755-66EB758CBFFF}"/>
+                  <a16:creationId xmlns:a16="http://schemas.microsoft.com/office/drawing/2014/main" id="{75F25853-F487-4AF8-9649-0D22959E7104}"/>
                 </a:ext>
               </a:extLst>
             </p:cNvPr>
@@ -3303,10 +3159,10 @@
       </p:grpSp>
       <p:grpSp>
         <p:nvGrpSpPr>
-          <p:cNvPr id="16" name="Ομάδα 15">
+          <p:cNvPr id="29" name="Ομάδα 28">
             <a:extLst>
               <a:ext uri="{FF2B5EF4-FFF2-40B4-BE49-F238E27FC236}">
-                <a16:creationId xmlns:a16="http://schemas.microsoft.com/office/drawing/2014/main" id="{DCD6789E-D65D-4CE6-9644-DE98BFD27772}"/>
+                <a16:creationId xmlns:a16="http://schemas.microsoft.com/office/drawing/2014/main" id="{B5196DB3-EAAF-4980-BC82-61A720C538CF}"/>
               </a:ext>
             </a:extLst>
           </p:cNvPr>
@@ -3315,18 +3171,18 @@
         </p:nvGrpSpPr>
         <p:grpSpPr>
           <a:xfrm>
-            <a:off x="5106551" y="452141"/>
-            <a:ext cx="3785616" cy="1471355"/>
-            <a:chOff x="2471443" y="11144053"/>
-            <a:chExt cx="3785616" cy="1471355"/>
+            <a:off x="5181601" y="542727"/>
+            <a:ext cx="3762420" cy="1463040"/>
+            <a:chOff x="5086349" y="704653"/>
+            <a:chExt cx="3762421" cy="1463040"/>
           </a:xfrm>
         </p:grpSpPr>
         <p:pic>
           <p:nvPicPr>
-            <p:cNvPr id="17" name="Εικόνα 16">
+            <p:cNvPr id="15" name="Εικόνα 14">
               <a:extLst>
                 <a:ext uri="{FF2B5EF4-FFF2-40B4-BE49-F238E27FC236}">
-                  <a16:creationId xmlns:a16="http://schemas.microsoft.com/office/drawing/2014/main" id="{F1151D36-E190-4DB8-9807-724C4A4F28EA}"/>
+                  <a16:creationId xmlns:a16="http://schemas.microsoft.com/office/drawing/2014/main" id="{6AEE615E-6C64-471C-8536-FB6870461D5E}"/>
                 </a:ext>
               </a:extLst>
             </p:cNvPr>
@@ -3336,20 +3192,20 @@
             <p:nvPr/>
           </p:nvPicPr>
           <p:blipFill rotWithShape="1">
-            <a:blip r:embed="rId7">
+            <a:blip r:embed="rId3">
               <a:extLst>
                 <a:ext uri="{28A0092B-C50C-407E-A947-70E740481C1C}">
                   <a14:useLocalDpi xmlns:a14="http://schemas.microsoft.com/office/drawing/2010/main" val="0"/>
                 </a:ext>
               </a:extLst>
             </a:blip>
-            <a:srcRect l="16218" t="32317" r="41194" b="38317"/>
+            <a:srcRect l="14687" t="42480" r="44166" b="29075"/>
             <a:stretch/>
           </p:blipFill>
           <p:spPr>
             <a:xfrm>
-              <a:off x="2471443" y="11147130"/>
-              <a:ext cx="3785616" cy="1468278"/>
+              <a:off x="5086349" y="704653"/>
+              <a:ext cx="3762421" cy="1463040"/>
             </a:xfrm>
             <a:prstGeom prst="rect">
               <a:avLst/>
@@ -3358,10 +3214,10 @@
         </p:pic>
         <p:cxnSp>
           <p:nvCxnSpPr>
-            <p:cNvPr id="18" name="Ευθεία γραμμή σύνδεσης 17">
+            <p:cNvPr id="16" name="Ευθεία γραμμή σύνδεσης 15">
               <a:extLst>
                 <a:ext uri="{FF2B5EF4-FFF2-40B4-BE49-F238E27FC236}">
-                  <a16:creationId xmlns:a16="http://schemas.microsoft.com/office/drawing/2014/main" id="{87AC66B0-1B60-48BE-AD26-CD9BA93CD235}"/>
+                  <a16:creationId xmlns:a16="http://schemas.microsoft.com/office/drawing/2014/main" id="{7E3CC5FA-EBC8-4BB1-BE7B-8DE309A9710D}"/>
                 </a:ext>
               </a:extLst>
             </p:cNvPr>
@@ -3372,7 +3228,7 @@
           </p:nvCxnSpPr>
           <p:spPr>
             <a:xfrm>
-              <a:off x="5457825" y="11144053"/>
+              <a:off x="8334375" y="704653"/>
               <a:ext cx="0" cy="1454569"/>
             </a:xfrm>
             <a:prstGeom prst="line">
@@ -3402,10 +3258,10 @@
         </p:cxnSp>
         <p:cxnSp>
           <p:nvCxnSpPr>
-            <p:cNvPr id="19" name="Ευθύγραμμο βέλος σύνδεσης 18">
+            <p:cNvPr id="17" name="Ευθύγραμμο βέλος σύνδεσης 16">
               <a:extLst>
                 <a:ext uri="{FF2B5EF4-FFF2-40B4-BE49-F238E27FC236}">
-                  <a16:creationId xmlns:a16="http://schemas.microsoft.com/office/drawing/2014/main" id="{7B8B9FED-C582-4A56-A0AE-E9800DC7F6C8}"/>
+                  <a16:creationId xmlns:a16="http://schemas.microsoft.com/office/drawing/2014/main" id="{E7736F3B-71B1-4499-9273-F6012F79D23C}"/>
                 </a:ext>
               </a:extLst>
             </p:cNvPr>
@@ -3416,7 +3272,7 @@
           </p:nvCxnSpPr>
           <p:spPr>
             <a:xfrm>
-              <a:off x="2571750" y="12182475"/>
+              <a:off x="5372100" y="1733550"/>
               <a:ext cx="0" cy="381000"/>
             </a:xfrm>
             <a:prstGeom prst="straightConnector1">
@@ -3445,293 +3301,12 @@
           </p:style>
         </p:cxnSp>
       </p:grpSp>
-      <p:sp>
-        <p:nvSpPr>
-          <p:cNvPr id="24" name="TextBox 23">
+      <p:grpSp>
+        <p:nvGrpSpPr>
+          <p:cNvPr id="22" name="Ομάδα 21">
             <a:extLst>
               <a:ext uri="{FF2B5EF4-FFF2-40B4-BE49-F238E27FC236}">
-                <a16:creationId xmlns:a16="http://schemas.microsoft.com/office/drawing/2014/main" id="{C20F005D-1EAE-4AF1-BE49-16B3FA343FEC}"/>
-              </a:ext>
-            </a:extLst>
-          </p:cNvPr>
-          <p:cNvSpPr txBox="1"/>
-          <p:nvPr/>
-        </p:nvSpPr>
-        <p:spPr>
-          <a:xfrm>
-            <a:off x="4562041" y="186927"/>
-            <a:ext cx="562023" cy="400238"/>
-          </a:xfrm>
-          <a:prstGeom prst="rect">
-            <a:avLst/>
-          </a:prstGeom>
-          <a:noFill/>
-        </p:spPr>
-        <p:txBody>
-          <a:bodyPr wrap="square" rtlCol="0">
-            <a:spAutoFit/>
-          </a:bodyPr>
-          <a:lstStyle/>
-          <a:p>
-            <a:pPr algn="ctr"/>
-            <a:r>
-              <a:rPr lang="en-US" sz="2001" b="1" dirty="0">
-                <a:latin typeface="Times New Roman" panose="02020603050405020304" pitchFamily="18" charset="0"/>
-                <a:cs typeface="Times New Roman" panose="02020603050405020304" pitchFamily="18" charset="0"/>
-              </a:rPr>
-              <a:t>b</a:t>
-            </a:r>
-          </a:p>
-        </p:txBody>
-      </p:sp>
-      <p:sp>
-        <p:nvSpPr>
-          <p:cNvPr id="25" name="TextBox 24">
-            <a:extLst>
-              <a:ext uri="{FF2B5EF4-FFF2-40B4-BE49-F238E27FC236}">
-                <a16:creationId xmlns:a16="http://schemas.microsoft.com/office/drawing/2014/main" id="{A59CC937-19DA-4F0C-9195-48EC117B8256}"/>
-              </a:ext>
-            </a:extLst>
-          </p:cNvPr>
-          <p:cNvSpPr txBox="1"/>
-          <p:nvPr/>
-        </p:nvSpPr>
-        <p:spPr>
-          <a:xfrm>
-            <a:off x="-28881" y="5617058"/>
-            <a:ext cx="562023" cy="400238"/>
-          </a:xfrm>
-          <a:prstGeom prst="rect">
-            <a:avLst/>
-          </a:prstGeom>
-          <a:noFill/>
-        </p:spPr>
-        <p:txBody>
-          <a:bodyPr wrap="square" rtlCol="0">
-            <a:spAutoFit/>
-          </a:bodyPr>
-          <a:lstStyle/>
-          <a:p>
-            <a:pPr algn="ctr"/>
-            <a:r>
-              <a:rPr lang="en-US" sz="2001" b="1" dirty="0">
-                <a:latin typeface="Times New Roman" panose="02020603050405020304" pitchFamily="18" charset="0"/>
-                <a:cs typeface="Times New Roman" panose="02020603050405020304" pitchFamily="18" charset="0"/>
-              </a:rPr>
-              <a:t>c</a:t>
-            </a:r>
-          </a:p>
-        </p:txBody>
-      </p:sp>
-      <p:sp>
-        <p:nvSpPr>
-          <p:cNvPr id="26" name="TextBox 25">
-            <a:extLst>
-              <a:ext uri="{FF2B5EF4-FFF2-40B4-BE49-F238E27FC236}">
-                <a16:creationId xmlns:a16="http://schemas.microsoft.com/office/drawing/2014/main" id="{68279447-0D6C-4572-BC72-528ECBEAE56B}"/>
-              </a:ext>
-            </a:extLst>
-          </p:cNvPr>
-          <p:cNvSpPr txBox="1"/>
-          <p:nvPr/>
-        </p:nvSpPr>
-        <p:spPr>
-          <a:xfrm>
-            <a:off x="4539693" y="5540971"/>
-            <a:ext cx="562023" cy="400238"/>
-          </a:xfrm>
-          <a:prstGeom prst="rect">
-            <a:avLst/>
-          </a:prstGeom>
-          <a:noFill/>
-        </p:spPr>
-        <p:txBody>
-          <a:bodyPr wrap="square" rtlCol="0">
-            <a:spAutoFit/>
-          </a:bodyPr>
-          <a:lstStyle/>
-          <a:p>
-            <a:pPr algn="ctr"/>
-            <a:r>
-              <a:rPr lang="en-US" sz="2001" b="1" dirty="0">
-                <a:latin typeface="Times New Roman" panose="02020603050405020304" pitchFamily="18" charset="0"/>
-                <a:cs typeface="Times New Roman" panose="02020603050405020304" pitchFamily="18" charset="0"/>
-              </a:rPr>
-              <a:t>d</a:t>
-            </a:r>
-          </a:p>
-        </p:txBody>
-      </p:sp>
-      <p:cxnSp>
-        <p:nvCxnSpPr>
-          <p:cNvPr id="28" name="Ευθεία γραμμή σύνδεσης 27">
-            <a:extLst>
-              <a:ext uri="{FF2B5EF4-FFF2-40B4-BE49-F238E27FC236}">
-                <a16:creationId xmlns:a16="http://schemas.microsoft.com/office/drawing/2014/main" id="{CD82B90F-E786-44BA-85E6-CE8911CD896F}"/>
-              </a:ext>
-            </a:extLst>
-          </p:cNvPr>
-          <p:cNvCxnSpPr/>
-          <p:nvPr/>
-        </p:nvCxnSpPr>
-        <p:spPr>
-          <a:xfrm>
-            <a:off x="4591051" y="264977"/>
-            <a:ext cx="0" cy="4976813"/>
-          </a:xfrm>
-          <a:prstGeom prst="line">
-            <a:avLst/>
-          </a:prstGeom>
-          <a:ln w="3175">
-            <a:solidFill>
-              <a:schemeClr val="tx1"/>
-            </a:solidFill>
-          </a:ln>
-        </p:spPr>
-        <p:style>
-          <a:lnRef idx="1">
-            <a:schemeClr val="accent1"/>
-          </a:lnRef>
-          <a:fillRef idx="0">
-            <a:schemeClr val="accent1"/>
-          </a:fillRef>
-          <a:effectRef idx="0">
-            <a:schemeClr val="accent1"/>
-          </a:effectRef>
-          <a:fontRef idx="minor">
-            <a:schemeClr val="tx1"/>
-          </a:fontRef>
-        </p:style>
-      </p:cxnSp>
-      <p:cxnSp>
-        <p:nvCxnSpPr>
-          <p:cNvPr id="27" name="Ευθεία γραμμή σύνδεσης 26">
-            <a:extLst>
-              <a:ext uri="{FF2B5EF4-FFF2-40B4-BE49-F238E27FC236}">
-                <a16:creationId xmlns:a16="http://schemas.microsoft.com/office/drawing/2014/main" id="{40934C7C-F8F2-40C5-BD83-9B6585F74F47}"/>
-              </a:ext>
-            </a:extLst>
-          </p:cNvPr>
-          <p:cNvCxnSpPr/>
-          <p:nvPr/>
-        </p:nvCxnSpPr>
-        <p:spPr>
-          <a:xfrm>
-            <a:off x="4588705" y="5749035"/>
-            <a:ext cx="0" cy="4976813"/>
-          </a:xfrm>
-          <a:prstGeom prst="line">
-            <a:avLst/>
-          </a:prstGeom>
-          <a:ln w="3175">
-            <a:solidFill>
-              <a:schemeClr val="tx1"/>
-            </a:solidFill>
-          </a:ln>
-        </p:spPr>
-        <p:style>
-          <a:lnRef idx="1">
-            <a:schemeClr val="accent1"/>
-          </a:lnRef>
-          <a:fillRef idx="0">
-            <a:schemeClr val="accent1"/>
-          </a:fillRef>
-          <a:effectRef idx="0">
-            <a:schemeClr val="accent1"/>
-          </a:effectRef>
-          <a:fontRef idx="minor">
-            <a:schemeClr val="tx1"/>
-          </a:fontRef>
-        </p:style>
-      </p:cxnSp>
-      <p:cxnSp>
-        <p:nvCxnSpPr>
-          <p:cNvPr id="29" name="Ευθεία γραμμή σύνδεσης 28">
-            <a:extLst>
-              <a:ext uri="{FF2B5EF4-FFF2-40B4-BE49-F238E27FC236}">
-                <a16:creationId xmlns:a16="http://schemas.microsoft.com/office/drawing/2014/main" id="{4862F500-B295-4FEF-9C31-DDCA5B87D97D}"/>
-              </a:ext>
-            </a:extLst>
-          </p:cNvPr>
-          <p:cNvCxnSpPr/>
-          <p:nvPr/>
-        </p:nvCxnSpPr>
-        <p:spPr>
-          <a:xfrm>
-            <a:off x="120501" y="5476875"/>
-            <a:ext cx="4312227" cy="0"/>
-          </a:xfrm>
-          <a:prstGeom prst="line">
-            <a:avLst/>
-          </a:prstGeom>
-          <a:ln w="3175">
-            <a:solidFill>
-              <a:schemeClr val="tx1"/>
-            </a:solidFill>
-          </a:ln>
-        </p:spPr>
-        <p:style>
-          <a:lnRef idx="1">
-            <a:schemeClr val="accent1"/>
-          </a:lnRef>
-          <a:fillRef idx="0">
-            <a:schemeClr val="accent1"/>
-          </a:fillRef>
-          <a:effectRef idx="0">
-            <a:schemeClr val="accent1"/>
-          </a:effectRef>
-          <a:fontRef idx="minor">
-            <a:schemeClr val="tx1"/>
-          </a:fontRef>
-        </p:style>
-      </p:cxnSp>
-      <p:cxnSp>
-        <p:nvCxnSpPr>
-          <p:cNvPr id="31" name="Ευθεία γραμμή σύνδεσης 30">
-            <a:extLst>
-              <a:ext uri="{FF2B5EF4-FFF2-40B4-BE49-F238E27FC236}">
-                <a16:creationId xmlns:a16="http://schemas.microsoft.com/office/drawing/2014/main" id="{91C5228B-48B0-44A0-B5B0-CDA537956BE4}"/>
-              </a:ext>
-            </a:extLst>
-          </p:cNvPr>
-          <p:cNvCxnSpPr/>
-          <p:nvPr/>
-        </p:nvCxnSpPr>
-        <p:spPr>
-          <a:xfrm>
-            <a:off x="4760496" y="5460463"/>
-            <a:ext cx="4312227" cy="0"/>
-          </a:xfrm>
-          <a:prstGeom prst="line">
-            <a:avLst/>
-          </a:prstGeom>
-          <a:ln w="3175">
-            <a:solidFill>
-              <a:schemeClr val="tx1"/>
-            </a:solidFill>
-          </a:ln>
-        </p:spPr>
-        <p:style>
-          <a:lnRef idx="1">
-            <a:schemeClr val="accent1"/>
-          </a:lnRef>
-          <a:fillRef idx="0">
-            <a:schemeClr val="accent1"/>
-          </a:fillRef>
-          <a:effectRef idx="0">
-            <a:schemeClr val="accent1"/>
-          </a:effectRef>
-          <a:fontRef idx="minor">
-            <a:schemeClr val="tx1"/>
-          </a:fontRef>
-        </p:style>
-      </p:cxnSp>
-      <p:grpSp>
-        <p:nvGrpSpPr>
-          <p:cNvPr id="32" name="Ομάδα 31">
-            <a:extLst>
-              <a:ext uri="{FF2B5EF4-FFF2-40B4-BE49-F238E27FC236}">
-                <a16:creationId xmlns:a16="http://schemas.microsoft.com/office/drawing/2014/main" id="{87D5C850-71DA-47DB-9D82-859A0FC802F5}"/>
+                <a16:creationId xmlns:a16="http://schemas.microsoft.com/office/drawing/2014/main" id="{275C1D83-60CA-49E0-9217-9F4DF9BDD48F}"/>
               </a:ext>
             </a:extLst>
           </p:cNvPr>
@@ -3740,7 +3315,7 @@
         </p:nvGrpSpPr>
         <p:grpSpPr>
           <a:xfrm>
-            <a:off x="496569" y="5969345"/>
+            <a:off x="580977" y="5927141"/>
             <a:ext cx="3762422" cy="1476762"/>
             <a:chOff x="2970098" y="5572126"/>
             <a:chExt cx="3762422" cy="1476762"/>
@@ -3748,10 +3323,10 @@
         </p:grpSpPr>
         <p:pic>
           <p:nvPicPr>
-            <p:cNvPr id="33" name="Εικόνα 32">
+            <p:cNvPr id="19" name="Εικόνα 18">
               <a:extLst>
                 <a:ext uri="{FF2B5EF4-FFF2-40B4-BE49-F238E27FC236}">
-                  <a16:creationId xmlns:a16="http://schemas.microsoft.com/office/drawing/2014/main" id="{05194A07-FF0B-445D-8B06-EFE89ECA2115}"/>
+                  <a16:creationId xmlns:a16="http://schemas.microsoft.com/office/drawing/2014/main" id="{A87748A5-39C9-468D-A7E1-1A28AC06A4DB}"/>
                 </a:ext>
               </a:extLst>
             </p:cNvPr>
@@ -3761,7 +3336,7 @@
             <p:nvPr/>
           </p:nvPicPr>
           <p:blipFill rotWithShape="1">
-            <a:blip r:embed="rId8">
+            <a:blip r:embed="rId4">
               <a:extLst>
                 <a:ext uri="{28A0092B-C50C-407E-A947-70E740481C1C}">
                   <a14:useLocalDpi xmlns:a14="http://schemas.microsoft.com/office/drawing/2010/main" val="0"/>
@@ -3783,10 +3358,10 @@
         </p:pic>
         <p:cxnSp>
           <p:nvCxnSpPr>
-            <p:cNvPr id="34" name="Ευθεία γραμμή σύνδεσης 33">
+            <p:cNvPr id="20" name="Ευθεία γραμμή σύνδεσης 19">
               <a:extLst>
                 <a:ext uri="{FF2B5EF4-FFF2-40B4-BE49-F238E27FC236}">
-                  <a16:creationId xmlns:a16="http://schemas.microsoft.com/office/drawing/2014/main" id="{D10BB071-6150-43BD-80C0-961F079CBC18}"/>
+                  <a16:creationId xmlns:a16="http://schemas.microsoft.com/office/drawing/2014/main" id="{0CC592B0-322A-4EE4-8624-B712DB5EA41D}"/>
                 </a:ext>
               </a:extLst>
             </p:cNvPr>
@@ -3827,10 +3402,10 @@
         </p:cxnSp>
         <p:cxnSp>
           <p:nvCxnSpPr>
-            <p:cNvPr id="35" name="Ευθύγραμμο βέλος σύνδεσης 34">
+            <p:cNvPr id="21" name="Ευθύγραμμο βέλος σύνδεσης 20">
               <a:extLst>
                 <a:ext uri="{FF2B5EF4-FFF2-40B4-BE49-F238E27FC236}">
-                  <a16:creationId xmlns:a16="http://schemas.microsoft.com/office/drawing/2014/main" id="{FCFCC0A4-E016-4169-A543-9ED5348B9E0F}"/>
+                  <a16:creationId xmlns:a16="http://schemas.microsoft.com/office/drawing/2014/main" id="{9E329CB7-2E43-4640-AE7A-186CD6146FF8}"/>
                 </a:ext>
               </a:extLst>
             </p:cNvPr>
@@ -3870,12 +3445,298 @@
           </p:style>
         </p:cxnSp>
       </p:grpSp>
+      <p:cxnSp>
+        <p:nvCxnSpPr>
+          <p:cNvPr id="30" name="Ευθεία γραμμή σύνδεσης 29">
+            <a:extLst>
+              <a:ext uri="{FF2B5EF4-FFF2-40B4-BE49-F238E27FC236}">
+                <a16:creationId xmlns:a16="http://schemas.microsoft.com/office/drawing/2014/main" id="{5C705F36-3287-48D8-AEAC-7617FCD7ADCD}"/>
+              </a:ext>
+            </a:extLst>
+          </p:cNvPr>
+          <p:cNvCxnSpPr>
+            <a:cxnSpLocks/>
+            <a:stCxn id="24" idx="1"/>
+          </p:cNvCxnSpPr>
+          <p:nvPr/>
+        </p:nvCxnSpPr>
+        <p:spPr>
+          <a:xfrm flipH="1">
+            <a:off x="4610982" y="372978"/>
+            <a:ext cx="16550" cy="4856715"/>
+          </a:xfrm>
+          <a:prstGeom prst="line">
+            <a:avLst/>
+          </a:prstGeom>
+          <a:ln w="3175">
+            <a:solidFill>
+              <a:schemeClr val="tx1"/>
+            </a:solidFill>
+          </a:ln>
+        </p:spPr>
+        <p:style>
+          <a:lnRef idx="1">
+            <a:schemeClr val="accent1"/>
+          </a:lnRef>
+          <a:fillRef idx="0">
+            <a:schemeClr val="accent1"/>
+          </a:fillRef>
+          <a:effectRef idx="0">
+            <a:schemeClr val="accent1"/>
+          </a:effectRef>
+          <a:fontRef idx="minor">
+            <a:schemeClr val="tx1"/>
+          </a:fontRef>
+        </p:style>
+      </p:cxnSp>
+      <p:cxnSp>
+        <p:nvCxnSpPr>
+          <p:cNvPr id="31" name="Ευθεία γραμμή σύνδεσης 30">
+            <a:extLst>
+              <a:ext uri="{FF2B5EF4-FFF2-40B4-BE49-F238E27FC236}">
+                <a16:creationId xmlns:a16="http://schemas.microsoft.com/office/drawing/2014/main" id="{6D9653A7-7AD2-4EDD-8976-8E2F2EA2E0AE}"/>
+              </a:ext>
+            </a:extLst>
+          </p:cNvPr>
+          <p:cNvCxnSpPr/>
+          <p:nvPr/>
+        </p:nvCxnSpPr>
+        <p:spPr>
+          <a:xfrm>
+            <a:off x="120501" y="5476875"/>
+            <a:ext cx="4312227" cy="0"/>
+          </a:xfrm>
+          <a:prstGeom prst="line">
+            <a:avLst/>
+          </a:prstGeom>
+          <a:ln w="3175">
+            <a:solidFill>
+              <a:schemeClr val="tx1"/>
+            </a:solidFill>
+          </a:ln>
+        </p:spPr>
+        <p:style>
+          <a:lnRef idx="1">
+            <a:schemeClr val="accent1"/>
+          </a:lnRef>
+          <a:fillRef idx="0">
+            <a:schemeClr val="accent1"/>
+          </a:fillRef>
+          <a:effectRef idx="0">
+            <a:schemeClr val="accent1"/>
+          </a:effectRef>
+          <a:fontRef idx="minor">
+            <a:schemeClr val="tx1"/>
+          </a:fontRef>
+        </p:style>
+      </p:cxnSp>
+      <p:sp>
+        <p:nvSpPr>
+          <p:cNvPr id="23" name="TextBox 22">
+            <a:extLst>
+              <a:ext uri="{FF2B5EF4-FFF2-40B4-BE49-F238E27FC236}">
+                <a16:creationId xmlns:a16="http://schemas.microsoft.com/office/drawing/2014/main" id="{8466C53B-213B-4285-9369-96E0F34DA382}"/>
+              </a:ext>
+            </a:extLst>
+          </p:cNvPr>
+          <p:cNvSpPr txBox="1"/>
+          <p:nvPr/>
+        </p:nvSpPr>
+        <p:spPr>
+          <a:xfrm>
+            <a:off x="32248" y="172859"/>
+            <a:ext cx="562023" cy="400238"/>
+          </a:xfrm>
+          <a:prstGeom prst="rect">
+            <a:avLst/>
+          </a:prstGeom>
+          <a:noFill/>
+        </p:spPr>
+        <p:txBody>
+          <a:bodyPr wrap="square" rtlCol="0">
+            <a:spAutoFit/>
+          </a:bodyPr>
+          <a:lstStyle/>
+          <a:p>
+            <a:pPr algn="ctr"/>
+            <a:r>
+              <a:rPr lang="en-US" sz="2001" b="1" dirty="0">
+                <a:latin typeface="Times New Roman" panose="02020603050405020304" pitchFamily="18" charset="0"/>
+                <a:cs typeface="Times New Roman" panose="02020603050405020304" pitchFamily="18" charset="0"/>
+              </a:rPr>
+              <a:t>a</a:t>
+            </a:r>
+          </a:p>
+        </p:txBody>
+      </p:sp>
+      <p:sp>
+        <p:nvSpPr>
+          <p:cNvPr id="24" name="TextBox 23">
+            <a:extLst>
+              <a:ext uri="{FF2B5EF4-FFF2-40B4-BE49-F238E27FC236}">
+                <a16:creationId xmlns:a16="http://schemas.microsoft.com/office/drawing/2014/main" id="{EDA79AB1-2048-4932-A65E-24D2B7BFE336}"/>
+              </a:ext>
+            </a:extLst>
+          </p:cNvPr>
+          <p:cNvSpPr txBox="1"/>
+          <p:nvPr/>
+        </p:nvSpPr>
+        <p:spPr>
+          <a:xfrm>
+            <a:off x="4627532" y="172859"/>
+            <a:ext cx="562023" cy="400238"/>
+          </a:xfrm>
+          <a:prstGeom prst="rect">
+            <a:avLst/>
+          </a:prstGeom>
+          <a:noFill/>
+        </p:spPr>
+        <p:txBody>
+          <a:bodyPr wrap="square" rtlCol="0">
+            <a:spAutoFit/>
+          </a:bodyPr>
+          <a:lstStyle/>
+          <a:p>
+            <a:pPr algn="ctr"/>
+            <a:r>
+              <a:rPr lang="en-US" sz="2001" b="1" dirty="0">
+                <a:latin typeface="Times New Roman" panose="02020603050405020304" pitchFamily="18" charset="0"/>
+                <a:cs typeface="Times New Roman" panose="02020603050405020304" pitchFamily="18" charset="0"/>
+              </a:rPr>
+              <a:t>b</a:t>
+            </a:r>
+          </a:p>
+        </p:txBody>
+      </p:sp>
+      <p:sp>
+        <p:nvSpPr>
+          <p:cNvPr id="25" name="TextBox 24">
+            <a:extLst>
+              <a:ext uri="{FF2B5EF4-FFF2-40B4-BE49-F238E27FC236}">
+                <a16:creationId xmlns:a16="http://schemas.microsoft.com/office/drawing/2014/main" id="{171767A6-474A-424C-AE39-19F2BE614365}"/>
+              </a:ext>
+            </a:extLst>
+          </p:cNvPr>
+          <p:cNvSpPr txBox="1"/>
+          <p:nvPr/>
+        </p:nvSpPr>
+        <p:spPr>
+          <a:xfrm>
+            <a:off x="21950" y="5536230"/>
+            <a:ext cx="562023" cy="400238"/>
+          </a:xfrm>
+          <a:prstGeom prst="rect">
+            <a:avLst/>
+          </a:prstGeom>
+          <a:noFill/>
+        </p:spPr>
+        <p:txBody>
+          <a:bodyPr wrap="square" rtlCol="0">
+            <a:spAutoFit/>
+          </a:bodyPr>
+          <a:lstStyle/>
+          <a:p>
+            <a:pPr algn="ctr"/>
+            <a:r>
+              <a:rPr lang="en-US" sz="2001" b="1" dirty="0">
+                <a:latin typeface="Times New Roman" panose="02020603050405020304" pitchFamily="18" charset="0"/>
+                <a:cs typeface="Times New Roman" panose="02020603050405020304" pitchFamily="18" charset="0"/>
+              </a:rPr>
+              <a:t>c</a:t>
+            </a:r>
+          </a:p>
+        </p:txBody>
+      </p:sp>
+      <p:cxnSp>
+        <p:nvCxnSpPr>
+          <p:cNvPr id="26" name="Ευθεία γραμμή σύνδεσης 25">
+            <a:extLst>
+              <a:ext uri="{FF2B5EF4-FFF2-40B4-BE49-F238E27FC236}">
+                <a16:creationId xmlns:a16="http://schemas.microsoft.com/office/drawing/2014/main" id="{1E571F44-B5A1-4CC8-AD1C-BB80AA396C97}"/>
+              </a:ext>
+            </a:extLst>
+          </p:cNvPr>
+          <p:cNvCxnSpPr/>
+          <p:nvPr/>
+        </p:nvCxnSpPr>
+        <p:spPr>
+          <a:xfrm>
+            <a:off x="4760496" y="5460463"/>
+            <a:ext cx="4312227" cy="0"/>
+          </a:xfrm>
+          <a:prstGeom prst="line">
+            <a:avLst/>
+          </a:prstGeom>
+          <a:ln w="3175">
+            <a:solidFill>
+              <a:schemeClr val="tx1"/>
+            </a:solidFill>
+          </a:ln>
+        </p:spPr>
+        <p:style>
+          <a:lnRef idx="1">
+            <a:schemeClr val="accent1"/>
+          </a:lnRef>
+          <a:fillRef idx="0">
+            <a:schemeClr val="accent1"/>
+          </a:fillRef>
+          <a:effectRef idx="0">
+            <a:schemeClr val="accent1"/>
+          </a:effectRef>
+          <a:fontRef idx="minor">
+            <a:schemeClr val="tx1"/>
+          </a:fontRef>
+        </p:style>
+      </p:cxnSp>
+      <p:cxnSp>
+        <p:nvCxnSpPr>
+          <p:cNvPr id="27" name="Ευθεία γραμμή σύνδεσης 26">
+            <a:extLst>
+              <a:ext uri="{FF2B5EF4-FFF2-40B4-BE49-F238E27FC236}">
+                <a16:creationId xmlns:a16="http://schemas.microsoft.com/office/drawing/2014/main" id="{8A737FEC-111B-4E06-A3A1-A588D596F40D}"/>
+              </a:ext>
+            </a:extLst>
+          </p:cNvPr>
+          <p:cNvCxnSpPr>
+            <a:cxnSpLocks/>
+          </p:cNvCxnSpPr>
+          <p:nvPr/>
+        </p:nvCxnSpPr>
+        <p:spPr>
+          <a:xfrm>
+            <a:off x="4630909" y="5720331"/>
+            <a:ext cx="26649" cy="4894950"/>
+          </a:xfrm>
+          <a:prstGeom prst="line">
+            <a:avLst/>
+          </a:prstGeom>
+          <a:ln w="3175">
+            <a:solidFill>
+              <a:schemeClr val="tx1"/>
+            </a:solidFill>
+          </a:ln>
+        </p:spPr>
+        <p:style>
+          <a:lnRef idx="1">
+            <a:schemeClr val="accent1"/>
+          </a:lnRef>
+          <a:fillRef idx="0">
+            <a:schemeClr val="accent1"/>
+          </a:fillRef>
+          <a:effectRef idx="0">
+            <a:schemeClr val="accent1"/>
+          </a:effectRef>
+          <a:fontRef idx="minor">
+            <a:schemeClr val="tx1"/>
+          </a:fontRef>
+        </p:style>
+      </p:cxnSp>
       <p:grpSp>
         <p:nvGrpSpPr>
-          <p:cNvPr id="36" name="Ομάδα 35">
+          <p:cNvPr id="46" name="Ομάδα 45">
             <a:extLst>
               <a:ext uri="{FF2B5EF4-FFF2-40B4-BE49-F238E27FC236}">
-                <a16:creationId xmlns:a16="http://schemas.microsoft.com/office/drawing/2014/main" id="{8701B332-323B-4CFE-96F2-5CADB3C63C50}"/>
+                <a16:creationId xmlns:a16="http://schemas.microsoft.com/office/drawing/2014/main" id="{D29E2F7B-82A4-4471-8E67-D1CB9673E4C0}"/>
               </a:ext>
             </a:extLst>
           </p:cNvPr>
@@ -3884,18 +3745,18 @@
         </p:nvGrpSpPr>
         <p:grpSpPr>
           <a:xfrm>
-            <a:off x="454857" y="500523"/>
-            <a:ext cx="3762420" cy="1463040"/>
-            <a:chOff x="5086349" y="704653"/>
-            <a:chExt cx="3762421" cy="1463040"/>
+            <a:off x="98431" y="2074772"/>
+            <a:ext cx="4321295" cy="3291840"/>
+            <a:chOff x="98431" y="2074772"/>
+            <a:chExt cx="4321295" cy="3291840"/>
           </a:xfrm>
         </p:grpSpPr>
         <p:pic>
           <p:nvPicPr>
-            <p:cNvPr id="37" name="Εικόνα 36">
+            <p:cNvPr id="18" name="Εικόνα 17">
               <a:extLst>
                 <a:ext uri="{FF2B5EF4-FFF2-40B4-BE49-F238E27FC236}">
-                  <a16:creationId xmlns:a16="http://schemas.microsoft.com/office/drawing/2014/main" id="{695635FF-B894-48FA-B305-9FDB2DBBF724}"/>
+                  <a16:creationId xmlns:a16="http://schemas.microsoft.com/office/drawing/2014/main" id="{E9F5AF5D-27F3-4D48-8BEC-6F0C0EC78F29}"/>
                 </a:ext>
               </a:extLst>
             </p:cNvPr>
@@ -3904,33 +3765,87 @@
             </p:cNvPicPr>
             <p:nvPr/>
           </p:nvPicPr>
-          <p:blipFill rotWithShape="1">
-            <a:blip r:embed="rId9">
+          <p:blipFill>
+            <a:blip r:embed="rId5">
               <a:extLst>
                 <a:ext uri="{28A0092B-C50C-407E-A947-70E740481C1C}">
                   <a14:useLocalDpi xmlns:a14="http://schemas.microsoft.com/office/drawing/2010/main" val="0"/>
                 </a:ext>
               </a:extLst>
             </a:blip>
-            <a:srcRect l="14687" t="42480" r="44166" b="29075"/>
-            <a:stretch/>
+            <a:stretch>
+              <a:fillRect/>
+            </a:stretch>
           </p:blipFill>
           <p:spPr>
             <a:xfrm>
-              <a:off x="5086349" y="704653"/>
-              <a:ext cx="3762421" cy="1463040"/>
+              <a:off x="98431" y="2074772"/>
+              <a:ext cx="4321295" cy="3291840"/>
             </a:xfrm>
             <a:prstGeom prst="rect">
               <a:avLst/>
             </a:prstGeom>
           </p:spPr>
         </p:pic>
+        <p:sp>
+          <p:nvSpPr>
+            <p:cNvPr id="28" name="Ορθογώνιο 27">
+              <a:extLst>
+                <a:ext uri="{FF2B5EF4-FFF2-40B4-BE49-F238E27FC236}">
+                  <a16:creationId xmlns:a16="http://schemas.microsoft.com/office/drawing/2014/main" id="{02C264F8-3F4D-45E5-8C7A-0EA9CCD0E296}"/>
+                </a:ext>
+              </a:extLst>
+            </p:cNvPr>
+            <p:cNvSpPr/>
+            <p:nvPr/>
+          </p:nvSpPr>
+          <p:spPr>
+            <a:xfrm>
+              <a:off x="1315606" y="2808718"/>
+              <a:ext cx="252664" cy="504775"/>
+            </a:xfrm>
+            <a:prstGeom prst="rect">
+              <a:avLst/>
+            </a:prstGeom>
+            <a:noFill/>
+            <a:ln w="28575">
+              <a:solidFill>
+                <a:schemeClr val="tx1"/>
+              </a:solidFill>
+              <a:prstDash val="dash"/>
+            </a:ln>
+          </p:spPr>
+          <p:style>
+            <a:lnRef idx="2">
+              <a:schemeClr val="accent1">
+                <a:shade val="50000"/>
+              </a:schemeClr>
+            </a:lnRef>
+            <a:fillRef idx="1">
+              <a:schemeClr val="accent1"/>
+            </a:fillRef>
+            <a:effectRef idx="0">
+              <a:schemeClr val="accent1"/>
+            </a:effectRef>
+            <a:fontRef idx="minor">
+              <a:schemeClr val="lt1"/>
+            </a:fontRef>
+          </p:style>
+          <p:txBody>
+            <a:bodyPr rtlCol="0" anchor="ctr"/>
+            <a:lstStyle/>
+            <a:p>
+              <a:pPr algn="ctr"/>
+              <a:endParaRPr lang="en-US" dirty="0"/>
+            </a:p>
+          </p:txBody>
+        </p:sp>
         <p:cxnSp>
           <p:nvCxnSpPr>
-            <p:cNvPr id="38" name="Ευθεία γραμμή σύνδεσης 37">
+            <p:cNvPr id="32" name="Ευθύγραμμο βέλος σύνδεσης 31">
               <a:extLst>
                 <a:ext uri="{FF2B5EF4-FFF2-40B4-BE49-F238E27FC236}">
-                  <a16:creationId xmlns:a16="http://schemas.microsoft.com/office/drawing/2014/main" id="{99DFA437-90B4-41B6-B9C1-E863A233B5C7}"/>
+                  <a16:creationId xmlns:a16="http://schemas.microsoft.com/office/drawing/2014/main" id="{704229CE-B495-4C53-9866-02CA994CB86B}"/>
                 </a:ext>
               </a:extLst>
             </p:cNvPr>
@@ -3941,40 +3856,298 @@
           </p:nvCxnSpPr>
           <p:spPr>
             <a:xfrm>
-              <a:off x="8334375" y="704653"/>
-              <a:ext cx="0" cy="1454569"/>
+              <a:off x="1448971" y="2428819"/>
+              <a:ext cx="0" cy="304791"/>
             </a:xfrm>
-            <a:prstGeom prst="line">
+            <a:prstGeom prst="straightConnector1">
               <a:avLst/>
             </a:prstGeom>
-            <a:ln w="38100">
-              <a:solidFill>
-                <a:srgbClr val="FF0000"/>
-              </a:solidFill>
-              <a:prstDash val="sysDash"/>
+            <a:ln>
+              <a:tailEnd type="triangle"/>
             </a:ln>
           </p:spPr>
           <p:style>
             <a:lnRef idx="1">
-              <a:schemeClr val="accent1"/>
+              <a:schemeClr val="dk1"/>
             </a:lnRef>
             <a:fillRef idx="0">
+              <a:schemeClr val="dk1"/>
+            </a:fillRef>
+            <a:effectRef idx="0">
+              <a:schemeClr val="dk1"/>
+            </a:effectRef>
+            <a:fontRef idx="minor">
+              <a:schemeClr val="tx1"/>
+            </a:fontRef>
+          </p:style>
+        </p:cxnSp>
+      </p:grpSp>
+      <p:grpSp>
+        <p:nvGrpSpPr>
+          <p:cNvPr id="47" name="Ομάδα 46">
+            <a:extLst>
+              <a:ext uri="{FF2B5EF4-FFF2-40B4-BE49-F238E27FC236}">
+                <a16:creationId xmlns:a16="http://schemas.microsoft.com/office/drawing/2014/main" id="{8E79F7CE-7180-47E3-B4B5-94A9DAF3B713}"/>
+              </a:ext>
+            </a:extLst>
+          </p:cNvPr>
+          <p:cNvGrpSpPr/>
+          <p:nvPr/>
+        </p:nvGrpSpPr>
+        <p:grpSpPr>
+          <a:xfrm>
+            <a:off x="4785837" y="2066604"/>
+            <a:ext cx="4196391" cy="3291840"/>
+            <a:chOff x="4785837" y="2066604"/>
+            <a:chExt cx="4196391" cy="3291840"/>
+          </a:xfrm>
+        </p:grpSpPr>
+        <p:pic>
+          <p:nvPicPr>
+            <p:cNvPr id="42" name="Εικόνα 41">
+              <a:extLst>
+                <a:ext uri="{FF2B5EF4-FFF2-40B4-BE49-F238E27FC236}">
+                  <a16:creationId xmlns:a16="http://schemas.microsoft.com/office/drawing/2014/main" id="{0E2EF5BD-4EF7-49DF-9493-7433CF1F96EC}"/>
+                </a:ext>
+              </a:extLst>
+            </p:cNvPr>
+            <p:cNvPicPr>
+              <a:picLocks noChangeAspect="1"/>
+            </p:cNvPicPr>
+            <p:nvPr/>
+          </p:nvPicPr>
+          <p:blipFill>
+            <a:blip r:embed="rId6">
+              <a:extLst>
+                <a:ext uri="{28A0092B-C50C-407E-A947-70E740481C1C}">
+                  <a14:useLocalDpi xmlns:a14="http://schemas.microsoft.com/office/drawing/2010/main" val="0"/>
+                </a:ext>
+              </a:extLst>
+            </a:blip>
+            <a:stretch>
+              <a:fillRect/>
+            </a:stretch>
+          </p:blipFill>
+          <p:spPr>
+            <a:xfrm>
+              <a:off x="4785837" y="2066604"/>
+              <a:ext cx="4196391" cy="3291840"/>
+            </a:xfrm>
+            <a:prstGeom prst="rect">
+              <a:avLst/>
+            </a:prstGeom>
+          </p:spPr>
+        </p:pic>
+        <p:sp>
+          <p:nvSpPr>
+            <p:cNvPr id="33" name="Ορθογώνιο 32">
+              <a:extLst>
+                <a:ext uri="{FF2B5EF4-FFF2-40B4-BE49-F238E27FC236}">
+                  <a16:creationId xmlns:a16="http://schemas.microsoft.com/office/drawing/2014/main" id="{74E78A54-13A7-41FF-8F6E-175C43B830BB}"/>
+                </a:ext>
+              </a:extLst>
+            </p:cNvPr>
+            <p:cNvSpPr/>
+            <p:nvPr/>
+          </p:nvSpPr>
+          <p:spPr>
+            <a:xfrm>
+              <a:off x="8630811" y="2850914"/>
+              <a:ext cx="252664" cy="504775"/>
+            </a:xfrm>
+            <a:prstGeom prst="rect">
+              <a:avLst/>
+            </a:prstGeom>
+            <a:noFill/>
+            <a:ln w="28575">
+              <a:solidFill>
+                <a:schemeClr val="tx1"/>
+              </a:solidFill>
+              <a:prstDash val="dash"/>
+            </a:ln>
+          </p:spPr>
+          <p:style>
+            <a:lnRef idx="2">
+              <a:schemeClr val="accent1">
+                <a:shade val="50000"/>
+              </a:schemeClr>
+            </a:lnRef>
+            <a:fillRef idx="1">
               <a:schemeClr val="accent1"/>
             </a:fillRef>
             <a:effectRef idx="0">
               <a:schemeClr val="accent1"/>
             </a:effectRef>
             <a:fontRef idx="minor">
+              <a:schemeClr val="lt1"/>
+            </a:fontRef>
+          </p:style>
+          <p:txBody>
+            <a:bodyPr rtlCol="0" anchor="ctr"/>
+            <a:lstStyle/>
+            <a:p>
+              <a:pPr algn="ctr"/>
+              <a:endParaRPr lang="en-US" dirty="0"/>
+            </a:p>
+          </p:txBody>
+        </p:sp>
+        <p:cxnSp>
+          <p:nvCxnSpPr>
+            <p:cNvPr id="34" name="Ευθύγραμμο βέλος σύνδεσης 33">
+              <a:extLst>
+                <a:ext uri="{FF2B5EF4-FFF2-40B4-BE49-F238E27FC236}">
+                  <a16:creationId xmlns:a16="http://schemas.microsoft.com/office/drawing/2014/main" id="{7B11B4B3-E2BD-48F8-8ED9-C84F895B1BCD}"/>
+                </a:ext>
+              </a:extLst>
+            </p:cNvPr>
+            <p:cNvCxnSpPr>
+              <a:cxnSpLocks/>
+            </p:cNvCxnSpPr>
+            <p:nvPr/>
+          </p:nvCxnSpPr>
+          <p:spPr>
+            <a:xfrm flipV="1">
+              <a:off x="8764176" y="3413557"/>
+              <a:ext cx="0" cy="337617"/>
+            </a:xfrm>
+            <a:prstGeom prst="straightConnector1">
+              <a:avLst/>
+            </a:prstGeom>
+            <a:ln>
+              <a:tailEnd type="triangle"/>
+            </a:ln>
+          </p:spPr>
+          <p:style>
+            <a:lnRef idx="1">
+              <a:schemeClr val="dk1"/>
+            </a:lnRef>
+            <a:fillRef idx="0">
+              <a:schemeClr val="dk1"/>
+            </a:fillRef>
+            <a:effectRef idx="0">
+              <a:schemeClr val="dk1"/>
+            </a:effectRef>
+            <a:fontRef idx="minor">
               <a:schemeClr val="tx1"/>
             </a:fontRef>
           </p:style>
         </p:cxnSp>
+      </p:grpSp>
+      <p:grpSp>
+        <p:nvGrpSpPr>
+          <p:cNvPr id="48" name="Ομάδα 47">
+            <a:extLst>
+              <a:ext uri="{FF2B5EF4-FFF2-40B4-BE49-F238E27FC236}">
+                <a16:creationId xmlns:a16="http://schemas.microsoft.com/office/drawing/2014/main" id="{7503F27A-2F94-442F-BFC5-BF2600C300AB}"/>
+              </a:ext>
+            </a:extLst>
+          </p:cNvPr>
+          <p:cNvGrpSpPr/>
+          <p:nvPr/>
+        </p:nvGrpSpPr>
+        <p:grpSpPr>
+          <a:xfrm>
+            <a:off x="116823" y="7479779"/>
+            <a:ext cx="4293091" cy="3291840"/>
+            <a:chOff x="116823" y="7479779"/>
+            <a:chExt cx="4293091" cy="3291840"/>
+          </a:xfrm>
+        </p:grpSpPr>
+        <p:pic>
+          <p:nvPicPr>
+            <p:cNvPr id="13" name="Εικόνα 12">
+              <a:extLst>
+                <a:ext uri="{FF2B5EF4-FFF2-40B4-BE49-F238E27FC236}">
+                  <a16:creationId xmlns:a16="http://schemas.microsoft.com/office/drawing/2014/main" id="{8FA26EB3-40CC-433C-9483-46385116D980}"/>
+                </a:ext>
+              </a:extLst>
+            </p:cNvPr>
+            <p:cNvPicPr>
+              <a:picLocks noChangeAspect="1"/>
+            </p:cNvPicPr>
+            <p:nvPr/>
+          </p:nvPicPr>
+          <p:blipFill>
+            <a:blip r:embed="rId7">
+              <a:extLst>
+                <a:ext uri="{28A0092B-C50C-407E-A947-70E740481C1C}">
+                  <a14:useLocalDpi xmlns:a14="http://schemas.microsoft.com/office/drawing/2010/main" val="0"/>
+                </a:ext>
+              </a:extLst>
+            </a:blip>
+            <a:stretch>
+              <a:fillRect/>
+            </a:stretch>
+          </p:blipFill>
+          <p:spPr>
+            <a:xfrm>
+              <a:off x="116823" y="7479779"/>
+              <a:ext cx="4293091" cy="3291840"/>
+            </a:xfrm>
+            <a:prstGeom prst="rect">
+              <a:avLst/>
+            </a:prstGeom>
+          </p:spPr>
+        </p:pic>
+        <p:sp>
+          <p:nvSpPr>
+            <p:cNvPr id="35" name="Ορθογώνιο 34">
+              <a:extLst>
+                <a:ext uri="{FF2B5EF4-FFF2-40B4-BE49-F238E27FC236}">
+                  <a16:creationId xmlns:a16="http://schemas.microsoft.com/office/drawing/2014/main" id="{C8F25719-BF21-4AAE-B696-41334DF15FD7}"/>
+                </a:ext>
+              </a:extLst>
+            </p:cNvPr>
+            <p:cNvSpPr/>
+            <p:nvPr/>
+          </p:nvSpPr>
+          <p:spPr>
+            <a:xfrm>
+              <a:off x="640358" y="9955108"/>
+              <a:ext cx="252664" cy="504775"/>
+            </a:xfrm>
+            <a:prstGeom prst="rect">
+              <a:avLst/>
+            </a:prstGeom>
+            <a:noFill/>
+            <a:ln w="28575">
+              <a:solidFill>
+                <a:schemeClr val="tx1"/>
+              </a:solidFill>
+              <a:prstDash val="dash"/>
+            </a:ln>
+          </p:spPr>
+          <p:style>
+            <a:lnRef idx="2">
+              <a:schemeClr val="accent1">
+                <a:shade val="50000"/>
+              </a:schemeClr>
+            </a:lnRef>
+            <a:fillRef idx="1">
+              <a:schemeClr val="accent1"/>
+            </a:fillRef>
+            <a:effectRef idx="0">
+              <a:schemeClr val="accent1"/>
+            </a:effectRef>
+            <a:fontRef idx="minor">
+              <a:schemeClr val="lt1"/>
+            </a:fontRef>
+          </p:style>
+          <p:txBody>
+            <a:bodyPr rtlCol="0" anchor="ctr"/>
+            <a:lstStyle/>
+            <a:p>
+              <a:pPr algn="ctr"/>
+              <a:endParaRPr lang="en-US" dirty="0"/>
+            </a:p>
+          </p:txBody>
+        </p:sp>
         <p:cxnSp>
           <p:nvCxnSpPr>
-            <p:cNvPr id="39" name="Ευθύγραμμο βέλος σύνδεσης 38">
+            <p:cNvPr id="36" name="Ευθύγραμμο βέλος σύνδεσης 35">
               <a:extLst>
                 <a:ext uri="{FF2B5EF4-FFF2-40B4-BE49-F238E27FC236}">
-                  <a16:creationId xmlns:a16="http://schemas.microsoft.com/office/drawing/2014/main" id="{90E1AB66-AC31-41DE-B59C-94B1D729BCC5}"/>
+                  <a16:creationId xmlns:a16="http://schemas.microsoft.com/office/drawing/2014/main" id="{589E048F-A9AD-48FB-B308-F9E8B9A87CDA}"/>
                 </a:ext>
               </a:extLst>
             </p:cNvPr>
@@ -3985,28 +4158,25 @@
           </p:nvCxnSpPr>
           <p:spPr>
             <a:xfrm>
-              <a:off x="5372100" y="1733550"/>
-              <a:ext cx="0" cy="381000"/>
+              <a:off x="773723" y="9575209"/>
+              <a:ext cx="0" cy="304791"/>
             </a:xfrm>
             <a:prstGeom prst="straightConnector1">
               <a:avLst/>
             </a:prstGeom>
-            <a:ln w="38100">
-              <a:solidFill>
-                <a:srgbClr val="FF0000"/>
-              </a:solidFill>
+            <a:ln>
               <a:tailEnd type="triangle"/>
             </a:ln>
           </p:spPr>
           <p:style>
             <a:lnRef idx="1">
-              <a:schemeClr val="accent1"/>
+              <a:schemeClr val="dk1"/>
             </a:lnRef>
             <a:fillRef idx="0">
-              <a:schemeClr val="accent1"/>
+              <a:schemeClr val="dk1"/>
             </a:fillRef>
             <a:effectRef idx="0">
-              <a:schemeClr val="accent1"/>
+              <a:schemeClr val="dk1"/>
             </a:effectRef>
             <a:fontRef idx="minor">
               <a:schemeClr val="tx1"/>
@@ -4016,10 +4186,10 @@
       </p:grpSp>
       <p:sp>
         <p:nvSpPr>
-          <p:cNvPr id="40" name="TextBox 39">
+          <p:cNvPr id="37" name="TextBox 36">
             <a:extLst>
               <a:ext uri="{FF2B5EF4-FFF2-40B4-BE49-F238E27FC236}">
-                <a16:creationId xmlns:a16="http://schemas.microsoft.com/office/drawing/2014/main" id="{E43EE259-5CC2-48F1-A5EB-076694C2AC8C}"/>
+                <a16:creationId xmlns:a16="http://schemas.microsoft.com/office/drawing/2014/main" id="{AD830637-9956-4E11-A288-345FA5C4374A}"/>
               </a:ext>
             </a:extLst>
           </p:cNvPr>
@@ -4028,7 +4198,7 @@
         </p:nvSpPr>
         <p:spPr>
           <a:xfrm>
-            <a:off x="1757" y="198647"/>
+            <a:off x="4639252" y="5600648"/>
             <a:ext cx="562023" cy="400238"/>
           </a:xfrm>
           <a:prstGeom prst="rect">
@@ -4048,391 +4218,369 @@
                 <a:latin typeface="Times New Roman" panose="02020603050405020304" pitchFamily="18" charset="0"/>
                 <a:cs typeface="Times New Roman" panose="02020603050405020304" pitchFamily="18" charset="0"/>
               </a:rPr>
-              <a:t>a</a:t>
-            </a:r>
-          </a:p>
-        </p:txBody>
-      </p:sp>
-      <p:sp>
-        <p:nvSpPr>
-          <p:cNvPr id="41" name="Ορθογώνιο 40">
+              <a:t>d</a:t>
+            </a:r>
+          </a:p>
+        </p:txBody>
+      </p:sp>
+      <p:grpSp>
+        <p:nvGrpSpPr>
+          <p:cNvPr id="7" name="Ομάδα 6">
             <a:extLst>
               <a:ext uri="{FF2B5EF4-FFF2-40B4-BE49-F238E27FC236}">
-                <a16:creationId xmlns:a16="http://schemas.microsoft.com/office/drawing/2014/main" id="{D082706B-2F42-42C9-BD66-C1FD326D5328}"/>
+                <a16:creationId xmlns:a16="http://schemas.microsoft.com/office/drawing/2014/main" id="{3F752A6D-333A-482A-932E-5218EF04AC2E}"/>
               </a:ext>
             </a:extLst>
           </p:cNvPr>
-          <p:cNvSpPr/>
+          <p:cNvGrpSpPr/>
           <p:nvPr/>
-        </p:nvSpPr>
-        <p:spPr>
+        </p:nvGrpSpPr>
+        <p:grpSpPr>
           <a:xfrm>
-            <a:off x="3918130" y="2780582"/>
-            <a:ext cx="252664" cy="504775"/>
+            <a:off x="5100205" y="6261330"/>
+            <a:ext cx="3882023" cy="4325815"/>
+            <a:chOff x="5100205" y="6289466"/>
+            <a:chExt cx="3882023" cy="4325815"/>
           </a:xfrm>
-          <a:prstGeom prst="rect">
-            <a:avLst/>
-          </a:prstGeom>
-          <a:noFill/>
-          <a:ln w="28575">
-            <a:solidFill>
-              <a:schemeClr val="tx1"/>
-            </a:solidFill>
-            <a:prstDash val="dash"/>
-          </a:ln>
-        </p:spPr>
-        <p:style>
-          <a:lnRef idx="2">
-            <a:schemeClr val="accent1">
-              <a:shade val="50000"/>
-            </a:schemeClr>
-          </a:lnRef>
-          <a:fillRef idx="1">
-            <a:schemeClr val="accent1"/>
-          </a:fillRef>
-          <a:effectRef idx="0">
-            <a:schemeClr val="accent1"/>
-          </a:effectRef>
-          <a:fontRef idx="minor">
-            <a:schemeClr val="lt1"/>
-          </a:fontRef>
-        </p:style>
-        <p:txBody>
-          <a:bodyPr rtlCol="0" anchor="ctr"/>
-          <a:lstStyle/>
-          <a:p>
-            <a:pPr algn="ctr"/>
-            <a:endParaRPr lang="en-US" dirty="0"/>
-          </a:p>
-        </p:txBody>
-      </p:sp>
-      <p:cxnSp>
-        <p:nvCxnSpPr>
-          <p:cNvPr id="42" name="Ευθύγραμμο βέλος σύνδεσης 41">
-            <a:extLst>
-              <a:ext uri="{FF2B5EF4-FFF2-40B4-BE49-F238E27FC236}">
-                <a16:creationId xmlns:a16="http://schemas.microsoft.com/office/drawing/2014/main" id="{E4779183-11AA-40A9-8FDB-1E5CB250B4A6}"/>
-              </a:ext>
-            </a:extLst>
-          </p:cNvPr>
-          <p:cNvCxnSpPr>
-            <a:cxnSpLocks/>
-          </p:cNvCxnSpPr>
-          <p:nvPr/>
-        </p:nvCxnSpPr>
-        <p:spPr>
-          <a:xfrm>
-            <a:off x="4051495" y="2400683"/>
-            <a:ext cx="0" cy="304791"/>
-          </a:xfrm>
-          <a:prstGeom prst="straightConnector1">
-            <a:avLst/>
-          </a:prstGeom>
-          <a:ln>
-            <a:tailEnd type="triangle"/>
-          </a:ln>
-        </p:spPr>
-        <p:style>
-          <a:lnRef idx="1">
-            <a:schemeClr val="dk1"/>
-          </a:lnRef>
-          <a:fillRef idx="0">
-            <a:schemeClr val="dk1"/>
-          </a:fillRef>
-          <a:effectRef idx="0">
-            <a:schemeClr val="dk1"/>
-          </a:effectRef>
-          <a:fontRef idx="minor">
-            <a:schemeClr val="tx1"/>
-          </a:fontRef>
-        </p:style>
-      </p:cxnSp>
-      <p:sp>
-        <p:nvSpPr>
-          <p:cNvPr id="44" name="Ορθογώνιο 43">
-            <a:extLst>
-              <a:ext uri="{FF2B5EF4-FFF2-40B4-BE49-F238E27FC236}">
-                <a16:creationId xmlns:a16="http://schemas.microsoft.com/office/drawing/2014/main" id="{80CC939F-0D0F-492C-9153-329A18C78D70}"/>
-              </a:ext>
-            </a:extLst>
-          </p:cNvPr>
-          <p:cNvSpPr/>
-          <p:nvPr/>
-        </p:nvSpPr>
-        <p:spPr>
-          <a:xfrm>
-            <a:off x="7896942" y="2145192"/>
-            <a:ext cx="252664" cy="504775"/>
-          </a:xfrm>
-          <a:prstGeom prst="rect">
-            <a:avLst/>
-          </a:prstGeom>
-          <a:noFill/>
-          <a:ln w="28575">
-            <a:solidFill>
-              <a:schemeClr val="tx1"/>
-            </a:solidFill>
-            <a:prstDash val="dash"/>
-          </a:ln>
-        </p:spPr>
-        <p:style>
-          <a:lnRef idx="2">
-            <a:schemeClr val="accent1">
-              <a:shade val="50000"/>
-            </a:schemeClr>
-          </a:lnRef>
-          <a:fillRef idx="1">
-            <a:schemeClr val="accent1"/>
-          </a:fillRef>
-          <a:effectRef idx="0">
-            <a:schemeClr val="accent1"/>
-          </a:effectRef>
-          <a:fontRef idx="minor">
-            <a:schemeClr val="lt1"/>
-          </a:fontRef>
-        </p:style>
-        <p:txBody>
-          <a:bodyPr rtlCol="0" anchor="ctr"/>
-          <a:lstStyle/>
-          <a:p>
-            <a:pPr algn="ctr"/>
-            <a:endParaRPr lang="en-US" dirty="0"/>
-          </a:p>
-        </p:txBody>
-      </p:sp>
-      <p:cxnSp>
-        <p:nvCxnSpPr>
-          <p:cNvPr id="46" name="Ευθύγραμμο βέλος σύνδεσης 45">
-            <a:extLst>
-              <a:ext uri="{FF2B5EF4-FFF2-40B4-BE49-F238E27FC236}">
-                <a16:creationId xmlns:a16="http://schemas.microsoft.com/office/drawing/2014/main" id="{F914CD22-A405-40D1-B936-836008F82022}"/>
-              </a:ext>
-            </a:extLst>
-          </p:cNvPr>
-          <p:cNvCxnSpPr>
-            <a:cxnSpLocks/>
-          </p:cNvCxnSpPr>
-          <p:nvPr/>
-        </p:nvCxnSpPr>
-        <p:spPr>
-          <a:xfrm flipV="1">
-            <a:off x="8022593" y="2696105"/>
-            <a:ext cx="0" cy="379899"/>
-          </a:xfrm>
-          <a:prstGeom prst="straightConnector1">
-            <a:avLst/>
-          </a:prstGeom>
-          <a:ln>
-            <a:tailEnd type="triangle"/>
-          </a:ln>
-        </p:spPr>
-        <p:style>
-          <a:lnRef idx="1">
-            <a:schemeClr val="dk1"/>
-          </a:lnRef>
-          <a:fillRef idx="0">
-            <a:schemeClr val="dk1"/>
-          </a:fillRef>
-          <a:effectRef idx="0">
-            <a:schemeClr val="dk1"/>
-          </a:effectRef>
-          <a:fontRef idx="minor">
-            <a:schemeClr val="tx1"/>
-          </a:fontRef>
-        </p:style>
-      </p:cxnSp>
-      <p:sp>
-        <p:nvSpPr>
-          <p:cNvPr id="48" name="Ορθογώνιο 47">
-            <a:extLst>
-              <a:ext uri="{FF2B5EF4-FFF2-40B4-BE49-F238E27FC236}">
-                <a16:creationId xmlns:a16="http://schemas.microsoft.com/office/drawing/2014/main" id="{01A6A5D6-71C2-45C9-8212-9507885BB126}"/>
-              </a:ext>
-            </a:extLst>
-          </p:cNvPr>
-          <p:cNvSpPr/>
-          <p:nvPr/>
-        </p:nvSpPr>
-        <p:spPr>
-          <a:xfrm>
-            <a:off x="567672" y="9994972"/>
-            <a:ext cx="252664" cy="504775"/>
-          </a:xfrm>
-          <a:prstGeom prst="rect">
-            <a:avLst/>
-          </a:prstGeom>
-          <a:noFill/>
-          <a:ln w="28575">
-            <a:solidFill>
-              <a:schemeClr val="tx1"/>
-            </a:solidFill>
-            <a:prstDash val="dash"/>
-          </a:ln>
-        </p:spPr>
-        <p:style>
-          <a:lnRef idx="2">
-            <a:schemeClr val="accent1">
-              <a:shade val="50000"/>
-            </a:schemeClr>
-          </a:lnRef>
-          <a:fillRef idx="1">
-            <a:schemeClr val="accent1"/>
-          </a:fillRef>
-          <a:effectRef idx="0">
-            <a:schemeClr val="accent1"/>
-          </a:effectRef>
-          <a:fontRef idx="minor">
-            <a:schemeClr val="lt1"/>
-          </a:fontRef>
-        </p:style>
-        <p:txBody>
-          <a:bodyPr rtlCol="0" anchor="ctr"/>
-          <a:lstStyle/>
-          <a:p>
-            <a:pPr algn="ctr"/>
-            <a:endParaRPr lang="en-US" dirty="0"/>
-          </a:p>
-        </p:txBody>
-      </p:sp>
-      <p:cxnSp>
-        <p:nvCxnSpPr>
-          <p:cNvPr id="49" name="Ευθύγραμμο βέλος σύνδεσης 48">
-            <a:extLst>
-              <a:ext uri="{FF2B5EF4-FFF2-40B4-BE49-F238E27FC236}">
-                <a16:creationId xmlns:a16="http://schemas.microsoft.com/office/drawing/2014/main" id="{774BF4B3-FDF8-4875-A447-138CFD76FC56}"/>
-              </a:ext>
-            </a:extLst>
-          </p:cNvPr>
-          <p:cNvCxnSpPr>
-            <a:cxnSpLocks/>
-          </p:cNvCxnSpPr>
-          <p:nvPr/>
-        </p:nvCxnSpPr>
-        <p:spPr>
-          <a:xfrm>
-            <a:off x="701037" y="9615073"/>
-            <a:ext cx="0" cy="304791"/>
-          </a:xfrm>
-          <a:prstGeom prst="straightConnector1">
-            <a:avLst/>
-          </a:prstGeom>
-          <a:ln>
-            <a:tailEnd type="triangle"/>
-          </a:ln>
-        </p:spPr>
-        <p:style>
-          <a:lnRef idx="1">
-            <a:schemeClr val="dk1"/>
-          </a:lnRef>
-          <a:fillRef idx="0">
-            <a:schemeClr val="dk1"/>
-          </a:fillRef>
-          <a:effectRef idx="0">
-            <a:schemeClr val="dk1"/>
-          </a:effectRef>
-          <a:fontRef idx="minor">
-            <a:schemeClr val="tx1"/>
-          </a:fontRef>
-        </p:style>
-      </p:cxnSp>
-      <p:sp>
-        <p:nvSpPr>
-          <p:cNvPr id="50" name="Ορθογώνιο 49">
-            <a:extLst>
-              <a:ext uri="{FF2B5EF4-FFF2-40B4-BE49-F238E27FC236}">
-                <a16:creationId xmlns:a16="http://schemas.microsoft.com/office/drawing/2014/main" id="{067EDBCD-8F4D-4208-9388-9724EA3711B3}"/>
-              </a:ext>
-            </a:extLst>
-          </p:cNvPr>
-          <p:cNvSpPr/>
-          <p:nvPr/>
-        </p:nvSpPr>
-        <p:spPr>
-          <a:xfrm>
-            <a:off x="6476106" y="8053620"/>
-            <a:ext cx="252664" cy="504775"/>
-          </a:xfrm>
-          <a:prstGeom prst="rect">
-            <a:avLst/>
-          </a:prstGeom>
-          <a:noFill/>
-          <a:ln w="28575">
-            <a:solidFill>
-              <a:schemeClr val="tx1"/>
-            </a:solidFill>
-            <a:prstDash val="dash"/>
-          </a:ln>
-        </p:spPr>
-        <p:style>
-          <a:lnRef idx="2">
-            <a:schemeClr val="accent1">
-              <a:shade val="50000"/>
-            </a:schemeClr>
-          </a:lnRef>
-          <a:fillRef idx="1">
-            <a:schemeClr val="accent1"/>
-          </a:fillRef>
-          <a:effectRef idx="0">
-            <a:schemeClr val="accent1"/>
-          </a:effectRef>
-          <a:fontRef idx="minor">
-            <a:schemeClr val="lt1"/>
-          </a:fontRef>
-        </p:style>
-        <p:txBody>
-          <a:bodyPr rtlCol="0" anchor="ctr"/>
-          <a:lstStyle/>
-          <a:p>
-            <a:pPr algn="ctr"/>
-            <a:endParaRPr lang="en-US" dirty="0"/>
-          </a:p>
-        </p:txBody>
-      </p:sp>
-      <p:cxnSp>
-        <p:nvCxnSpPr>
-          <p:cNvPr id="51" name="Ευθύγραμμο βέλος σύνδεσης 50">
-            <a:extLst>
-              <a:ext uri="{FF2B5EF4-FFF2-40B4-BE49-F238E27FC236}">
-                <a16:creationId xmlns:a16="http://schemas.microsoft.com/office/drawing/2014/main" id="{DDCE17D1-98E3-4AAF-930A-1C9697E3E4AF}"/>
-              </a:ext>
-            </a:extLst>
-          </p:cNvPr>
-          <p:cNvCxnSpPr>
-            <a:cxnSpLocks/>
-          </p:cNvCxnSpPr>
-          <p:nvPr/>
-        </p:nvCxnSpPr>
-        <p:spPr>
-          <a:xfrm>
-            <a:off x="6609471" y="7673721"/>
-            <a:ext cx="0" cy="304791"/>
-          </a:xfrm>
-          <a:prstGeom prst="straightConnector1">
-            <a:avLst/>
-          </a:prstGeom>
-          <a:ln>
-            <a:tailEnd type="triangle"/>
-          </a:ln>
-        </p:spPr>
-        <p:style>
-          <a:lnRef idx="1">
-            <a:schemeClr val="dk1"/>
-          </a:lnRef>
-          <a:fillRef idx="0">
-            <a:schemeClr val="dk1"/>
-          </a:fillRef>
-          <a:effectRef idx="0">
-            <a:schemeClr val="dk1"/>
-          </a:effectRef>
-          <a:fontRef idx="minor">
-            <a:schemeClr val="tx1"/>
-          </a:fontRef>
-        </p:style>
-      </p:cxnSp>
+        </p:grpSpPr>
+        <p:pic>
+          <p:nvPicPr>
+            <p:cNvPr id="41" name="Εικόνα 40">
+              <a:extLst>
+                <a:ext uri="{FF2B5EF4-FFF2-40B4-BE49-F238E27FC236}">
+                  <a16:creationId xmlns:a16="http://schemas.microsoft.com/office/drawing/2014/main" id="{DD8260E9-807F-4A44-8DC2-44AB08B0BF86}"/>
+                </a:ext>
+              </a:extLst>
+            </p:cNvPr>
+            <p:cNvPicPr>
+              <a:picLocks noChangeAspect="1"/>
+            </p:cNvPicPr>
+            <p:nvPr/>
+          </p:nvPicPr>
+          <p:blipFill rotWithShape="1">
+            <a:blip r:embed="rId8">
+              <a:biLevel thresh="75000"/>
+              <a:extLst>
+                <a:ext uri="{28A0092B-C50C-407E-A947-70E740481C1C}">
+                  <a14:useLocalDpi xmlns:a14="http://schemas.microsoft.com/office/drawing/2010/main" val="0"/>
+                </a:ext>
+              </a:extLst>
+            </a:blip>
+            <a:srcRect l="36307" r="39077" b="5385"/>
+            <a:stretch/>
+          </p:blipFill>
+          <p:spPr>
+            <a:xfrm>
+              <a:off x="6731397" y="6289466"/>
+              <a:ext cx="2250831" cy="4325815"/>
+            </a:xfrm>
+            <a:prstGeom prst="rect">
+              <a:avLst/>
+            </a:prstGeom>
+          </p:spPr>
+        </p:pic>
+        <p:grpSp>
+          <p:nvGrpSpPr>
+            <p:cNvPr id="5" name="Ομάδα 4">
+              <a:extLst>
+                <a:ext uri="{FF2B5EF4-FFF2-40B4-BE49-F238E27FC236}">
+                  <a16:creationId xmlns:a16="http://schemas.microsoft.com/office/drawing/2014/main" id="{8759BA39-4DAE-457E-B531-E6DA4A1C4FE8}"/>
+                </a:ext>
+              </a:extLst>
+            </p:cNvPr>
+            <p:cNvGrpSpPr/>
+            <p:nvPr/>
+          </p:nvGrpSpPr>
+          <p:grpSpPr>
+            <a:xfrm>
+              <a:off x="5100205" y="6556365"/>
+              <a:ext cx="1631192" cy="3727412"/>
+              <a:chOff x="5100205" y="6556365"/>
+              <a:chExt cx="1631192" cy="3727412"/>
+            </a:xfrm>
+          </p:grpSpPr>
+          <p:grpSp>
+            <p:nvGrpSpPr>
+              <p:cNvPr id="49" name="Ομάδα 48">
+                <a:extLst>
+                  <a:ext uri="{FF2B5EF4-FFF2-40B4-BE49-F238E27FC236}">
+                    <a16:creationId xmlns:a16="http://schemas.microsoft.com/office/drawing/2014/main" id="{92E41DDC-9C82-4A85-9430-24A7346BF5C9}"/>
+                  </a:ext>
+                </a:extLst>
+              </p:cNvPr>
+              <p:cNvGrpSpPr/>
+              <p:nvPr/>
+            </p:nvGrpSpPr>
+            <p:grpSpPr>
+              <a:xfrm>
+                <a:off x="5100205" y="6556365"/>
+                <a:ext cx="1631192" cy="2844814"/>
+                <a:chOff x="4992271" y="6670143"/>
+                <a:chExt cx="1631192" cy="2870814"/>
+              </a:xfrm>
+            </p:grpSpPr>
+            <p:sp>
+              <p:nvSpPr>
+                <p:cNvPr id="6" name="TextBox 5">
+                  <a:extLst>
+                    <a:ext uri="{FF2B5EF4-FFF2-40B4-BE49-F238E27FC236}">
+                      <a16:creationId xmlns:a16="http://schemas.microsoft.com/office/drawing/2014/main" id="{EE4701C0-E648-4B86-BE48-5829DEF66BD8}"/>
+                    </a:ext>
+                  </a:extLst>
+                </p:cNvPr>
+                <p:cNvSpPr txBox="1"/>
+                <p:nvPr/>
+              </p:nvSpPr>
+              <p:spPr>
+                <a:xfrm>
+                  <a:off x="4992271" y="6670143"/>
+                  <a:ext cx="1620322" cy="338554"/>
+                </a:xfrm>
+                <a:prstGeom prst="rect">
+                  <a:avLst/>
+                </a:prstGeom>
+                <a:noFill/>
+              </p:spPr>
+              <p:txBody>
+                <a:bodyPr wrap="square" rtlCol="0">
+                  <a:spAutoFit/>
+                </a:bodyPr>
+                <a:lstStyle/>
+                <a:p>
+                  <a:r>
+                    <a:rPr lang="en-US" sz="1600" dirty="0"/>
+                    <a:t>U</a:t>
+                  </a:r>
+                  <a:r>
+                    <a:rPr lang="en-US" sz="1600" baseline="-25000" dirty="0"/>
+                    <a:t>c</a:t>
+                  </a:r>
+                  <a:r>
+                    <a:rPr lang="en-US" sz="1600" dirty="0"/>
+                    <a:t>/V</a:t>
+                  </a:r>
+                  <a:r>
+                    <a:rPr lang="en-US" sz="1600" baseline="-25000" dirty="0"/>
+                    <a:t>jm</a:t>
+                  </a:r>
+                  <a:r>
+                    <a:rPr lang="en-US" sz="1600" dirty="0"/>
+                    <a:t>=0.23 :</a:t>
+                  </a:r>
+                </a:p>
+              </p:txBody>
+            </p:sp>
+            <p:sp>
+              <p:nvSpPr>
+                <p:cNvPr id="38" name="TextBox 37">
+                  <a:extLst>
+                    <a:ext uri="{FF2B5EF4-FFF2-40B4-BE49-F238E27FC236}">
+                      <a16:creationId xmlns:a16="http://schemas.microsoft.com/office/drawing/2014/main" id="{07F931AE-AE83-4987-B522-CE7E92F89201}"/>
+                    </a:ext>
+                  </a:extLst>
+                </p:cNvPr>
+                <p:cNvSpPr txBox="1"/>
+                <p:nvPr/>
+              </p:nvSpPr>
+              <p:spPr>
+                <a:xfrm>
+                  <a:off x="4992271" y="7546793"/>
+                  <a:ext cx="1620322" cy="338554"/>
+                </a:xfrm>
+                <a:prstGeom prst="rect">
+                  <a:avLst/>
+                </a:prstGeom>
+                <a:noFill/>
+              </p:spPr>
+              <p:txBody>
+                <a:bodyPr wrap="square" rtlCol="0">
+                  <a:spAutoFit/>
+                </a:bodyPr>
+                <a:lstStyle/>
+                <a:p>
+                  <a:r>
+                    <a:rPr lang="en-US" sz="1600" dirty="0"/>
+                    <a:t>U</a:t>
+                  </a:r>
+                  <a:r>
+                    <a:rPr lang="en-US" sz="1600" baseline="-25000" dirty="0"/>
+                    <a:t>c</a:t>
+                  </a:r>
+                  <a:r>
+                    <a:rPr lang="en-US" sz="1600" dirty="0"/>
+                    <a:t>/V</a:t>
+                  </a:r>
+                  <a:r>
+                    <a:rPr lang="en-US" sz="1600" baseline="-25000" dirty="0"/>
+                    <a:t>jm</a:t>
+                  </a:r>
+                  <a:r>
+                    <a:rPr lang="en-US" sz="1600" dirty="0"/>
+                    <a:t>=0.48 :</a:t>
+                  </a:r>
+                </a:p>
+              </p:txBody>
+            </p:sp>
+            <p:sp>
+              <p:nvSpPr>
+                <p:cNvPr id="39" name="TextBox 38">
+                  <a:extLst>
+                    <a:ext uri="{FF2B5EF4-FFF2-40B4-BE49-F238E27FC236}">
+                      <a16:creationId xmlns:a16="http://schemas.microsoft.com/office/drawing/2014/main" id="{E6DCDA45-42DD-475C-B27A-A766E14B2D06}"/>
+                    </a:ext>
+                  </a:extLst>
+                </p:cNvPr>
+                <p:cNvSpPr txBox="1"/>
+                <p:nvPr/>
+              </p:nvSpPr>
+              <p:spPr>
+                <a:xfrm>
+                  <a:off x="5003141" y="8395694"/>
+                  <a:ext cx="1620322" cy="338554"/>
+                </a:xfrm>
+                <a:prstGeom prst="rect">
+                  <a:avLst/>
+                </a:prstGeom>
+                <a:noFill/>
+              </p:spPr>
+              <p:txBody>
+                <a:bodyPr wrap="square" rtlCol="0">
+                  <a:spAutoFit/>
+                </a:bodyPr>
+                <a:lstStyle/>
+                <a:p>
+                  <a:r>
+                    <a:rPr lang="en-US" sz="1600" dirty="0"/>
+                    <a:t>U</a:t>
+                  </a:r>
+                  <a:r>
+                    <a:rPr lang="en-US" sz="1600" baseline="-25000" dirty="0"/>
+                    <a:t>c</a:t>
+                  </a:r>
+                  <a:r>
+                    <a:rPr lang="en-US" sz="1600" dirty="0"/>
+                    <a:t>/V</a:t>
+                  </a:r>
+                  <a:r>
+                    <a:rPr lang="en-US" sz="1600" baseline="-25000" dirty="0"/>
+                    <a:t>jm</a:t>
+                  </a:r>
+                  <a:r>
+                    <a:rPr lang="en-US" sz="1600" dirty="0"/>
+                    <a:t>=0.64 :</a:t>
+                  </a:r>
+                </a:p>
+              </p:txBody>
+            </p:sp>
+            <p:sp>
+              <p:nvSpPr>
+                <p:cNvPr id="40" name="TextBox 39">
+                  <a:extLst>
+                    <a:ext uri="{FF2B5EF4-FFF2-40B4-BE49-F238E27FC236}">
+                      <a16:creationId xmlns:a16="http://schemas.microsoft.com/office/drawing/2014/main" id="{4073EBFD-F01F-419A-981A-F155BDE356B6}"/>
+                    </a:ext>
+                  </a:extLst>
+                </p:cNvPr>
+                <p:cNvSpPr txBox="1"/>
+                <p:nvPr/>
+              </p:nvSpPr>
+              <p:spPr>
+                <a:xfrm>
+                  <a:off x="4992271" y="9202403"/>
+                  <a:ext cx="1620322" cy="338554"/>
+                </a:xfrm>
+                <a:prstGeom prst="rect">
+                  <a:avLst/>
+                </a:prstGeom>
+                <a:noFill/>
+              </p:spPr>
+              <p:txBody>
+                <a:bodyPr wrap="square" rtlCol="0">
+                  <a:spAutoFit/>
+                </a:bodyPr>
+                <a:lstStyle/>
+                <a:p>
+                  <a:r>
+                    <a:rPr lang="en-US" sz="1600" dirty="0"/>
+                    <a:t>U</a:t>
+                  </a:r>
+                  <a:r>
+                    <a:rPr lang="en-US" sz="1600" baseline="-25000" dirty="0"/>
+                    <a:t>c</a:t>
+                  </a:r>
+                  <a:r>
+                    <a:rPr lang="en-US" sz="1600" dirty="0"/>
+                    <a:t>/V</a:t>
+                  </a:r>
+                  <a:r>
+                    <a:rPr lang="en-US" sz="1600" baseline="-25000" dirty="0"/>
+                    <a:t>jm</a:t>
+                  </a:r>
+                  <a:r>
+                    <a:rPr lang="en-US" sz="1600" dirty="0"/>
+                    <a:t>=0.83 :</a:t>
+                  </a:r>
+                </a:p>
+              </p:txBody>
+            </p:sp>
+          </p:grpSp>
+          <p:sp>
+            <p:nvSpPr>
+              <p:cNvPr id="43" name="TextBox 42">
+                <a:extLst>
+                  <a:ext uri="{FF2B5EF4-FFF2-40B4-BE49-F238E27FC236}">
+                    <a16:creationId xmlns:a16="http://schemas.microsoft.com/office/drawing/2014/main" id="{0BD8CA56-16AD-4C1C-9DDE-92EC6166338E}"/>
+                  </a:ext>
+                </a:extLst>
+              </p:cNvPr>
+              <p:cNvSpPr txBox="1"/>
+              <p:nvPr/>
+            </p:nvSpPr>
+            <p:spPr>
+              <a:xfrm>
+                <a:off x="5100205" y="9948289"/>
+                <a:ext cx="1620322" cy="335488"/>
+              </a:xfrm>
+              <a:prstGeom prst="rect">
+                <a:avLst/>
+              </a:prstGeom>
+              <a:noFill/>
+            </p:spPr>
+            <p:txBody>
+              <a:bodyPr wrap="square" rtlCol="0">
+                <a:spAutoFit/>
+              </a:bodyPr>
+              <a:lstStyle/>
+              <a:p>
+                <a:r>
+                  <a:rPr lang="en-US" sz="1600" dirty="0"/>
+                  <a:t>U</a:t>
+                </a:r>
+                <a:r>
+                  <a:rPr lang="en-US" sz="1600" baseline="-25000" dirty="0"/>
+                  <a:t>c</a:t>
+                </a:r>
+                <a:r>
+                  <a:rPr lang="en-US" sz="1600" dirty="0"/>
+                  <a:t>/V</a:t>
+                </a:r>
+                <a:r>
+                  <a:rPr lang="en-US" sz="1600" baseline="-25000" dirty="0"/>
+                  <a:t>jm</a:t>
+                </a:r>
+                <a:r>
+                  <a:rPr lang="en-US" sz="1600" dirty="0"/>
+                  <a:t>=1.00 :</a:t>
+                </a:r>
+              </a:p>
+            </p:txBody>
+          </p:sp>
+        </p:grpSp>
+      </p:grpSp>
     </p:spTree>
     <p:extLst>
       <p:ext uri="{BB962C8B-B14F-4D97-AF65-F5344CB8AC3E}">
-        <p14:creationId xmlns:p14="http://schemas.microsoft.com/office/powerpoint/2010/main" val="3662789197"/>
+        <p14:creationId xmlns:p14="http://schemas.microsoft.com/office/powerpoint/2010/main" val="2050589052"/>
       </p:ext>
     </p:extLst>
   </p:cSld>
